--- a/PascalTriangle.pptx
+++ b/PascalTriangle.pptx
@@ -4799,196 +4799,265 @@
           </a:prstGeom>
         </p:spPr>
       </p:pic>
-      <p:sp>
-        <p:nvSpPr>
-          <p:cNvPr id="6" name="TextBox 5"/>
-          <p:cNvSpPr txBox="1"/>
+      <p:pic>
+        <p:nvPicPr>
+          <p:cNvPr id="8" name="Picture 7" descr="blaise_pascal.jpeg"/>
+          <p:cNvPicPr>
+            <a:picLocks noChangeAspect="1"/>
+          </p:cNvPicPr>
           <p:nvPr/>
-        </p:nvSpPr>
+        </p:nvPicPr>
+        <p:blipFill>
+          <a:blip r:embed="rId3"/>
+          <a:stretch>
+            <a:fillRect/>
+          </a:stretch>
+        </p:blipFill>
         <p:spPr>
           <a:xfrm>
-            <a:off x="5562600" y="2590800"/>
-            <a:ext cx="2590800" cy="369332"/>
+            <a:off x="5334000" y="2438400"/>
+            <a:ext cx="3155442" cy="3848100"/>
           </a:xfrm>
           <a:prstGeom prst="rect">
             <a:avLst/>
           </a:prstGeom>
-          <a:noFill/>
         </p:spPr>
-        <p:txBody>
-          <a:bodyPr wrap="square" rtlCol="0">
-            <a:spAutoFit/>
-          </a:bodyPr>
-          <a:lstStyle/>
-          <a:p>
-            <a:pPr algn="ctr"/>
-            <a:r>
-              <a:rPr lang="ro-RO" dirty="0" smtClean="0"/>
-              <a:t>Contribuții în știință</a:t>
-            </a:r>
-            <a:endParaRPr lang="en-US" dirty="0"/>
-          </a:p>
-        </p:txBody>
-      </p:sp>
-      <p:sp>
-        <p:nvSpPr>
-          <p:cNvPr id="7" name="TextBox 6"/>
-          <p:cNvSpPr txBox="1"/>
-          <p:nvPr/>
-        </p:nvSpPr>
-        <p:spPr>
-          <a:xfrm>
-            <a:off x="5638800" y="3048000"/>
-            <a:ext cx="3200400" cy="2123658"/>
-          </a:xfrm>
-          <a:prstGeom prst="rect">
-            <a:avLst/>
-          </a:prstGeom>
-          <a:noFill/>
-        </p:spPr>
-        <p:txBody>
-          <a:bodyPr wrap="square" rtlCol="0">
-            <a:spAutoFit/>
-          </a:bodyPr>
-          <a:lstStyle/>
-          <a:p>
-            <a:r>
-              <a:rPr lang="ro-RO" sz="1200" dirty="0" smtClean="0"/>
-              <a:t> </a:t>
-            </a:r>
-            <a:r>
-              <a:rPr lang="ro-RO" sz="1200" dirty="0" smtClean="0"/>
-              <a:t>     </a:t>
-            </a:r>
-            <a:r>
-              <a:rPr lang="vi-VN" sz="1200" dirty="0" smtClean="0"/>
-              <a:t>La </a:t>
-            </a:r>
-            <a:r>
-              <a:rPr lang="vi-VN" sz="1200" dirty="0" smtClean="0"/>
-              <a:t>vârsta de 16 ani Pascal </a:t>
-            </a:r>
-            <a:r>
-              <a:rPr lang="vi-VN" sz="1200" dirty="0" smtClean="0"/>
-              <a:t>a</a:t>
-            </a:r>
-            <a:r>
-              <a:rPr lang="ro-RO" sz="1200" dirty="0" smtClean="0"/>
-              <a:t> </a:t>
-            </a:r>
-            <a:r>
-              <a:rPr lang="vi-VN" sz="1200" dirty="0" smtClean="0"/>
-              <a:t> </a:t>
-            </a:r>
-            <a:r>
-              <a:rPr lang="vi-VN" sz="1200" dirty="0" smtClean="0"/>
-              <a:t>prezentat primul său rezultat original cunoscut sub </a:t>
-            </a:r>
-            <a:r>
-              <a:rPr lang="ro-RO" sz="1200" dirty="0" smtClean="0"/>
-              <a:t>    </a:t>
-            </a:r>
-            <a:r>
-              <a:rPr lang="vi-VN" sz="1200" dirty="0" smtClean="0"/>
-              <a:t>numele de</a:t>
-            </a:r>
-            <a:r>
-              <a:rPr lang="ro-RO" sz="1200" dirty="0" smtClean="0"/>
-              <a:t> triunghiul lui Pascal</a:t>
-            </a:r>
-            <a:r>
-              <a:rPr lang="vi-VN" sz="1200" dirty="0" smtClean="0"/>
-              <a:t> (teorema lui Pascal), iar la </a:t>
-            </a:r>
-            <a:r>
-              <a:rPr lang="ro-RO" sz="1200" dirty="0" smtClean="0"/>
-              <a:t>  </a:t>
-            </a:r>
-            <a:r>
-              <a:rPr lang="vi-VN" sz="1200" dirty="0" smtClean="0"/>
-              <a:t>18 </a:t>
-            </a:r>
-            <a:r>
-              <a:rPr lang="vi-VN" sz="1200" dirty="0" smtClean="0"/>
-              <a:t>ani a construit primul </a:t>
-            </a:r>
-            <a:r>
-              <a:rPr lang="ro-RO" sz="1200" dirty="0" smtClean="0"/>
-              <a:t>    </a:t>
-            </a:r>
-            <a:r>
-              <a:rPr lang="vi-VN" sz="1200" dirty="0" smtClean="0"/>
-              <a:t>calculator </a:t>
-            </a:r>
-            <a:r>
-              <a:rPr lang="vi-VN" sz="1200" dirty="0" smtClean="0"/>
-              <a:t>mecanic, pentru a-și ajuta tatăl la calculul taxelor. Dispozitivul numit </a:t>
-            </a:r>
-            <a:r>
-              <a:rPr lang="vi-VN" sz="1200" i="1" dirty="0" smtClean="0"/>
-              <a:t>Pascaline</a:t>
-            </a:r>
-            <a:r>
-              <a:rPr lang="vi-VN" sz="1200" dirty="0" smtClean="0"/>
-              <a:t>, semăna cu un calculator mecanic al anilor </a:t>
-            </a:r>
-            <a:r>
-              <a:rPr lang="ro-RO" sz="1200" dirty="0" smtClean="0"/>
-              <a:t>  </a:t>
-            </a:r>
-            <a:r>
-              <a:rPr lang="vi-VN" sz="1200" dirty="0" smtClean="0"/>
-              <a:t>1840</a:t>
-            </a:r>
-            <a:r>
-              <a:rPr lang="vi-VN" sz="1200" dirty="0" smtClean="0"/>
-              <a:t>, iar această invenție îl face pe Pascal a doua persoană care inventează calculatorul mecanic deoarece </a:t>
-            </a:r>
-            <a:r>
-              <a:rPr lang="ro-RO" sz="1200" dirty="0" smtClean="0"/>
-              <a:t>Schickard</a:t>
-            </a:r>
-            <a:r>
-              <a:rPr lang="vi-VN" sz="1200" dirty="0" smtClean="0"/>
-              <a:t> mai </a:t>
-            </a:r>
-            <a:r>
-              <a:rPr lang="ro-RO" sz="1200" dirty="0" smtClean="0"/>
-              <a:t>  </a:t>
-            </a:r>
-            <a:r>
-              <a:rPr lang="vi-VN" sz="1200" dirty="0" smtClean="0"/>
-              <a:t>făcuse</a:t>
-            </a:r>
-            <a:r>
-              <a:rPr lang="ro-RO" sz="1200" dirty="0" smtClean="0"/>
-              <a:t>  </a:t>
-            </a:r>
-            <a:r>
-              <a:rPr lang="vi-VN" sz="1200" dirty="0" smtClean="0"/>
-              <a:t> </a:t>
-            </a:r>
-            <a:r>
-              <a:rPr lang="vi-VN" sz="1200" dirty="0" smtClean="0"/>
-              <a:t>unul în </a:t>
-            </a:r>
-            <a:r>
-              <a:rPr lang="ro-RO" sz="1200" dirty="0" smtClean="0"/>
-              <a:t>1624</a:t>
-            </a:r>
-            <a:r>
-              <a:rPr lang="vi-VN" sz="1200" dirty="0" smtClean="0"/>
-              <a:t>.</a:t>
-            </a:r>
-            <a:endParaRPr lang="en-US" sz="1200" dirty="0"/>
-          </a:p>
-        </p:txBody>
-      </p:sp>
+      </p:pic>
     </p:spTree>
   </p:cSld>
   <p:clrMapOvr>
     <a:masterClrMapping/>
   </p:clrMapOvr>
+  <p:timing>
+    <p:tnLst>
+      <p:par>
+        <p:cTn id="1" dur="indefinite" restart="never" nodeType="tmRoot">
+          <p:childTnLst>
+            <p:seq concurrent="1" nextAc="seek">
+              <p:cTn id="2" dur="indefinite" nodeType="mainSeq">
+                <p:childTnLst>
+                  <p:par>
+                    <p:cTn id="3" fill="hold">
+                      <p:stCondLst>
+                        <p:cond delay="indefinite"/>
+                      </p:stCondLst>
+                      <p:childTnLst>
+                        <p:par>
+                          <p:cTn id="4" fill="hold">
+                            <p:stCondLst>
+                              <p:cond delay="0"/>
+                            </p:stCondLst>
+                            <p:childTnLst>
+                              <p:par>
+                                <p:cTn id="5" presetID="2" presetClass="entr" presetSubtype="4" fill="hold" nodeType="clickEffect">
+                                  <p:stCondLst>
+                                    <p:cond delay="0"/>
+                                  </p:stCondLst>
+                                  <p:childTnLst>
+                                    <p:set>
+                                      <p:cBhvr>
+                                        <p:cTn id="6" dur="1" fill="hold">
+                                          <p:stCondLst>
+                                            <p:cond delay="0"/>
+                                          </p:stCondLst>
+                                        </p:cTn>
+                                        <p:tgtEl>
+                                          <p:spTgt spid="5"/>
+                                        </p:tgtEl>
+                                        <p:attrNameLst>
+                                          <p:attrName>style.visibility</p:attrName>
+                                        </p:attrNameLst>
+                                      </p:cBhvr>
+                                      <p:to>
+                                        <p:strVal val="visible"/>
+                                      </p:to>
+                                    </p:set>
+                                    <p:anim calcmode="lin" valueType="num">
+                                      <p:cBhvr additive="base">
+                                        <p:cTn id="7" dur="500" fill="hold"/>
+                                        <p:tgtEl>
+                                          <p:spTgt spid="5"/>
+                                        </p:tgtEl>
+                                        <p:attrNameLst>
+                                          <p:attrName>ppt_x</p:attrName>
+                                        </p:attrNameLst>
+                                      </p:cBhvr>
+                                      <p:tavLst>
+                                        <p:tav tm="0">
+                                          <p:val>
+                                            <p:strVal val="#ppt_x"/>
+                                          </p:val>
+                                        </p:tav>
+                                        <p:tav tm="100000">
+                                          <p:val>
+                                            <p:strVal val="#ppt_x"/>
+                                          </p:val>
+                                        </p:tav>
+                                      </p:tavLst>
+                                    </p:anim>
+                                    <p:anim calcmode="lin" valueType="num">
+                                      <p:cBhvr additive="base">
+                                        <p:cTn id="8" dur="500" fill="hold"/>
+                                        <p:tgtEl>
+                                          <p:spTgt spid="5"/>
+                                        </p:tgtEl>
+                                        <p:attrNameLst>
+                                          <p:attrName>ppt_y</p:attrName>
+                                        </p:attrNameLst>
+                                      </p:cBhvr>
+                                      <p:tavLst>
+                                        <p:tav tm="0">
+                                          <p:val>
+                                            <p:strVal val="1+#ppt_h/2"/>
+                                          </p:val>
+                                        </p:tav>
+                                        <p:tav tm="100000">
+                                          <p:val>
+                                            <p:strVal val="#ppt_y"/>
+                                          </p:val>
+                                        </p:tav>
+                                      </p:tavLst>
+                                    </p:anim>
+                                  </p:childTnLst>
+                                </p:cTn>
+                              </p:par>
+                            </p:childTnLst>
+                          </p:cTn>
+                        </p:par>
+                      </p:childTnLst>
+                    </p:cTn>
+                  </p:par>
+                  <p:par>
+                    <p:cTn id="9" fill="hold">
+                      <p:stCondLst>
+                        <p:cond delay="indefinite"/>
+                      </p:stCondLst>
+                      <p:childTnLst>
+                        <p:par>
+                          <p:cTn id="10" fill="hold">
+                            <p:stCondLst>
+                              <p:cond delay="0"/>
+                            </p:stCondLst>
+                            <p:childTnLst>
+                              <p:par>
+                                <p:cTn id="11" presetID="8" presetClass="exit" presetSubtype="16" fill="hold" nodeType="clickEffect">
+                                  <p:stCondLst>
+                                    <p:cond delay="0"/>
+                                  </p:stCondLst>
+                                  <p:childTnLst>
+                                    <p:animEffect transition="out" filter="diamond(in)">
+                                      <p:cBhvr>
+                                        <p:cTn id="12" dur="2000"/>
+                                        <p:tgtEl>
+                                          <p:spTgt spid="8"/>
+                                        </p:tgtEl>
+                                      </p:cBhvr>
+                                    </p:animEffect>
+                                    <p:set>
+                                      <p:cBhvr>
+                                        <p:cTn id="13" dur="1" fill="hold">
+                                          <p:stCondLst>
+                                            <p:cond delay="1999"/>
+                                          </p:stCondLst>
+                                        </p:cTn>
+                                        <p:tgtEl>
+                                          <p:spTgt spid="8"/>
+                                        </p:tgtEl>
+                                        <p:attrNameLst>
+                                          <p:attrName>style.visibility</p:attrName>
+                                        </p:attrNameLst>
+                                      </p:cBhvr>
+                                      <p:to>
+                                        <p:strVal val="hidden"/>
+                                      </p:to>
+                                    </p:set>
+                                  </p:childTnLst>
+                                </p:cTn>
+                              </p:par>
+                            </p:childTnLst>
+                          </p:cTn>
+                        </p:par>
+                      </p:childTnLst>
+                    </p:cTn>
+                  </p:par>
+                  <p:par>
+                    <p:cTn id="14" fill="hold">
+                      <p:stCondLst>
+                        <p:cond delay="indefinite"/>
+                      </p:stCondLst>
+                      <p:childTnLst>
+                        <p:par>
+                          <p:cTn id="15" fill="hold">
+                            <p:stCondLst>
+                              <p:cond delay="0"/>
+                            </p:stCondLst>
+                            <p:childTnLst>
+                              <p:par>
+                                <p:cTn id="16" presetID="5" presetClass="entr" presetSubtype="10" fill="hold" grpId="0" nodeType="clickEffect">
+                                  <p:stCondLst>
+                                    <p:cond delay="0"/>
+                                  </p:stCondLst>
+                                  <p:childTnLst>
+                                    <p:set>
+                                      <p:cBhvr>
+                                        <p:cTn id="17" dur="1" fill="hold">
+                                          <p:stCondLst>
+                                            <p:cond delay="0"/>
+                                          </p:stCondLst>
+                                        </p:cTn>
+                                        <p:tgtEl>
+                                          <p:spTgt spid="2"/>
+                                        </p:tgtEl>
+                                        <p:attrNameLst>
+                                          <p:attrName>style.visibility</p:attrName>
+                                        </p:attrNameLst>
+                                      </p:cBhvr>
+                                      <p:to>
+                                        <p:strVal val="visible"/>
+                                      </p:to>
+                                    </p:set>
+                                    <p:animEffect transition="in" filter="checkerboard(across)">
+                                      <p:cBhvr>
+                                        <p:cTn id="18" dur="500"/>
+                                        <p:tgtEl>
+                                          <p:spTgt spid="2"/>
+                                        </p:tgtEl>
+                                      </p:cBhvr>
+                                    </p:animEffect>
+                                  </p:childTnLst>
+                                </p:cTn>
+                              </p:par>
+                            </p:childTnLst>
+                          </p:cTn>
+                        </p:par>
+                      </p:childTnLst>
+                    </p:cTn>
+                  </p:par>
+                </p:childTnLst>
+              </p:cTn>
+              <p:prevCondLst>
+                <p:cond evt="onPrev" delay="0">
+                  <p:tgtEl>
+                    <p:sldTgt/>
+                  </p:tgtEl>
+                </p:cond>
+              </p:prevCondLst>
+              <p:nextCondLst>
+                <p:cond evt="onNext" delay="0">
+                  <p:tgtEl>
+                    <p:sldTgt/>
+                  </p:tgtEl>
+                </p:cond>
+              </p:nextCondLst>
+            </p:seq>
+          </p:childTnLst>
+        </p:cTn>
+      </p:par>
+    </p:tnLst>
+    <p:bldLst>
+      <p:bldP spid="2" grpId="0"/>
+    </p:bldLst>
+  </p:timing>
 </p:sld>
 </file>
 
@@ -5019,58 +5088,562 @@
             <p:ph type="title"/>
           </p:nvPr>
         </p:nvSpPr>
-        <p:spPr/>
+        <p:spPr>
+          <a:xfrm>
+            <a:off x="2667000" y="0"/>
+            <a:ext cx="7467600" cy="1050022"/>
+          </a:xfrm>
+        </p:spPr>
         <p:txBody>
           <a:bodyPr/>
           <a:lstStyle/>
           <a:p>
-            <a:endParaRPr lang="en-US"/>
-          </a:p>
-        </p:txBody>
-      </p:sp>
-      <p:sp>
-        <p:nvSpPr>
-          <p:cNvPr id="3" name="Content Placeholder 2"/>
+            <a:r>
+              <a:rPr lang="en-US" dirty="0" err="1" smtClean="0"/>
+              <a:t>Contribu</a:t>
+            </a:r>
+            <a:r>
+              <a:rPr lang="ro-RO" dirty="0" smtClean="0"/>
+              <a:t>ții în știință</a:t>
+            </a:r>
+            <a:endParaRPr lang="en-US" dirty="0"/>
+          </a:p>
+        </p:txBody>
+      </p:sp>
+      <p:sp>
+        <p:nvSpPr>
+          <p:cNvPr id="6" name="Content Placeholder 2"/>
           <p:cNvSpPr>
             <a:spLocks noGrp="1"/>
           </p:cNvSpPr>
           <p:nvPr>
-            <p:ph idx="1"/>
-          </p:nvPr>
-        </p:nvSpPr>
-        <p:spPr/>
+            <p:ph idx="10"/>
+          </p:nvPr>
+        </p:nvSpPr>
+        <p:spPr>
+          <a:xfrm>
+            <a:off x="533400" y="5181600"/>
+            <a:ext cx="8610600" cy="923528"/>
+          </a:xfrm>
+        </p:spPr>
         <p:txBody>
           <a:bodyPr/>
           <a:lstStyle/>
           <a:p>
-            <a:endParaRPr lang="en-US"/>
-          </a:p>
-        </p:txBody>
-      </p:sp>
-      <p:sp>
-        <p:nvSpPr>
-          <p:cNvPr id="4" name="Content Placeholder 3"/>
-          <p:cNvSpPr>
-            <a:spLocks noGrp="1"/>
-          </p:cNvSpPr>
-          <p:nvPr>
-            <p:ph idx="10"/>
-          </p:nvPr>
-        </p:nvSpPr>
-        <p:spPr/>
-        <p:txBody>
-          <a:bodyPr/>
+            <a:r>
+              <a:rPr lang="en-US" dirty="0" smtClean="0">
+                <a:solidFill>
+                  <a:schemeClr val="tx1"/>
+                </a:solidFill>
+              </a:rPr>
+              <a:t> </a:t>
+            </a:r>
+            <a:r>
+              <a:rPr lang="en-US" dirty="0" smtClean="0">
+                <a:solidFill>
+                  <a:schemeClr val="tx1"/>
+                </a:solidFill>
+              </a:rPr>
+              <a:t>             </a:t>
+            </a:r>
+            <a:r>
+              <a:rPr lang="vi-VN" dirty="0" smtClean="0">
+                <a:solidFill>
+                  <a:schemeClr val="tx1"/>
+                </a:solidFill>
+              </a:rPr>
+              <a:t>Aflând </a:t>
+            </a:r>
+            <a:r>
+              <a:rPr lang="vi-VN" dirty="0" smtClean="0">
+                <a:solidFill>
+                  <a:schemeClr val="tx1"/>
+                </a:solidFill>
+              </a:rPr>
+              <a:t>de încercarea lui </a:t>
+            </a:r>
+            <a:r>
+              <a:rPr lang="en-US" dirty="0" err="1" smtClean="0">
+                <a:solidFill>
+                  <a:schemeClr val="tx1"/>
+                </a:solidFill>
+              </a:rPr>
+              <a:t>Torrricelli</a:t>
+            </a:r>
+            <a:r>
+              <a:rPr lang="vi-VN" dirty="0" smtClean="0">
+                <a:solidFill>
+                  <a:schemeClr val="tx1"/>
+                </a:solidFill>
+              </a:rPr>
+              <a:t> de a determina </a:t>
+            </a:r>
+            <a:r>
+              <a:rPr lang="en-US" dirty="0" err="1" smtClean="0">
+                <a:solidFill>
+                  <a:schemeClr val="tx1"/>
+                </a:solidFill>
+              </a:rPr>
+              <a:t>presiunea</a:t>
+            </a:r>
+            <a:r>
+              <a:rPr lang="en-US" dirty="0" smtClean="0">
+                <a:solidFill>
+                  <a:schemeClr val="tx1"/>
+                </a:solidFill>
+              </a:rPr>
+              <a:t> </a:t>
+            </a:r>
+            <a:r>
+              <a:rPr lang="en-US" dirty="0" err="1" smtClean="0">
+                <a:solidFill>
+                  <a:schemeClr val="tx1"/>
+                </a:solidFill>
+              </a:rPr>
+              <a:t>atmosferic</a:t>
+            </a:r>
+            <a:r>
+              <a:rPr lang="ro-RO" dirty="0" smtClean="0">
+                <a:solidFill>
+                  <a:schemeClr val="tx1"/>
+                </a:solidFill>
+              </a:rPr>
+              <a:t>ă</a:t>
+            </a:r>
+            <a:r>
+              <a:rPr lang="en-US" dirty="0" smtClean="0">
+                <a:solidFill>
+                  <a:schemeClr val="tx1"/>
+                </a:solidFill>
+              </a:rPr>
+              <a:t>,</a:t>
+            </a:r>
+            <a:r>
+              <a:rPr lang="vi-VN" dirty="0" smtClean="0">
+                <a:solidFill>
+                  <a:schemeClr val="tx1"/>
+                </a:solidFill>
+              </a:rPr>
+              <a:t> </a:t>
+            </a:r>
+            <a:r>
+              <a:rPr lang="vi-VN" dirty="0" smtClean="0">
+                <a:solidFill>
+                  <a:schemeClr val="tx1"/>
+                </a:solidFill>
+              </a:rPr>
+              <a:t>Pascal a început </a:t>
+            </a:r>
+            <a:r>
+              <a:rPr lang="en-US" dirty="0" smtClean="0">
+                <a:solidFill>
+                  <a:schemeClr val="tx1"/>
+                </a:solidFill>
+              </a:rPr>
+              <a:t> </a:t>
+            </a:r>
+            <a:r>
+              <a:rPr lang="vi-VN" dirty="0" smtClean="0">
+                <a:solidFill>
+                  <a:schemeClr val="tx1"/>
+                </a:solidFill>
+              </a:rPr>
+              <a:t>să </a:t>
+            </a:r>
+            <a:r>
+              <a:rPr lang="vi-VN" dirty="0" smtClean="0">
+                <a:solidFill>
+                  <a:schemeClr val="tx1"/>
+                </a:solidFill>
+              </a:rPr>
+              <a:t>caute diverse tipuri de experiențe care să dovedească temeinicia descoperirii lui Torricelli, construind o instalație cu tuburi care demonstra influența presiunii.</a:t>
+            </a:r>
+            <a:endParaRPr lang="en-US" dirty="0">
+              <a:solidFill>
+                <a:schemeClr val="tx1"/>
+              </a:solidFill>
+            </a:endParaRPr>
+          </a:p>
+        </p:txBody>
+      </p:sp>
+      <p:sp>
+        <p:nvSpPr>
+          <p:cNvPr id="8" name="Rectangle 7"/>
+          <p:cNvSpPr/>
+          <p:nvPr/>
+        </p:nvSpPr>
+        <p:spPr>
+          <a:xfrm>
+            <a:off x="914400" y="1066800"/>
+            <a:ext cx="7772400" cy="1169551"/>
+          </a:xfrm>
+          <a:prstGeom prst="rect">
+            <a:avLst/>
+          </a:prstGeom>
+        </p:spPr>
+        <p:txBody>
+          <a:bodyPr wrap="square">
+            <a:spAutoFit/>
+          </a:bodyPr>
           <a:lstStyle/>
           <a:p>
-            <a:endParaRPr lang="en-US"/>
-          </a:p>
-        </p:txBody>
-      </p:sp>
+            <a:r>
+              <a:rPr lang="en-US" sz="1400" dirty="0" smtClean="0"/>
+              <a:t>    </a:t>
+            </a:r>
+            <a:r>
+              <a:rPr lang="ro-RO" sz="1400" dirty="0" smtClean="0"/>
+              <a:t> </a:t>
+            </a:r>
+            <a:r>
+              <a:rPr lang="vi-VN" sz="1400" dirty="0" smtClean="0"/>
+              <a:t>La vârsta de 16 ani Pascal a</a:t>
+            </a:r>
+            <a:r>
+              <a:rPr lang="ro-RO" sz="1400" dirty="0" smtClean="0"/>
+              <a:t> </a:t>
+            </a:r>
+            <a:r>
+              <a:rPr lang="vi-VN" sz="1400" dirty="0" smtClean="0"/>
+              <a:t> prezentat primul său rezultat original cunoscut </a:t>
+            </a:r>
+            <a:r>
+              <a:rPr lang="vi-VN" sz="1400" dirty="0" smtClean="0"/>
+              <a:t>sub</a:t>
+            </a:r>
+            <a:r>
+              <a:rPr lang="en-US" sz="1400" dirty="0" smtClean="0"/>
+              <a:t> </a:t>
+            </a:r>
+            <a:r>
+              <a:rPr lang="vi-VN" sz="1400" dirty="0" smtClean="0"/>
+              <a:t>numele </a:t>
+            </a:r>
+            <a:r>
+              <a:rPr lang="vi-VN" sz="1400" dirty="0" smtClean="0"/>
+              <a:t>de</a:t>
+            </a:r>
+            <a:r>
+              <a:rPr lang="ro-RO" sz="1400" dirty="0" smtClean="0"/>
+              <a:t> triunghiul lui Pascal</a:t>
+            </a:r>
+            <a:r>
+              <a:rPr lang="vi-VN" sz="1400" dirty="0" smtClean="0"/>
+              <a:t> (teorema lui Pascal), iar la </a:t>
+            </a:r>
+            <a:r>
+              <a:rPr lang="vi-VN" sz="1400" dirty="0" smtClean="0"/>
+              <a:t>18 </a:t>
+            </a:r>
+            <a:r>
+              <a:rPr lang="vi-VN" sz="1400" dirty="0" smtClean="0"/>
+              <a:t>ani a construit </a:t>
+            </a:r>
+            <a:r>
+              <a:rPr lang="vi-VN" sz="1400" dirty="0" smtClean="0"/>
+              <a:t>primul</a:t>
+            </a:r>
+            <a:r>
+              <a:rPr lang="en-US" sz="1400" dirty="0" smtClean="0"/>
+              <a:t> </a:t>
+            </a:r>
+            <a:r>
+              <a:rPr lang="vi-VN" sz="1400" dirty="0" smtClean="0"/>
+              <a:t>calculator </a:t>
+            </a:r>
+            <a:r>
+              <a:rPr lang="vi-VN" sz="1400" dirty="0" smtClean="0"/>
+              <a:t>mecanic, </a:t>
+            </a:r>
+            <a:r>
+              <a:rPr lang="en-US" sz="1400" dirty="0" smtClean="0"/>
+              <a:t>    </a:t>
+            </a:r>
+            <a:r>
+              <a:rPr lang="vi-VN" sz="1400" dirty="0" smtClean="0"/>
+              <a:t>pentru </a:t>
+            </a:r>
+            <a:r>
+              <a:rPr lang="vi-VN" sz="1400" dirty="0" smtClean="0"/>
+              <a:t>a-și ajuta tatăl la calculul taxelor. Dispozitivul numit </a:t>
+            </a:r>
+            <a:r>
+              <a:rPr lang="vi-VN" sz="1400" i="1" dirty="0" smtClean="0"/>
+              <a:t>Pascaline</a:t>
+            </a:r>
+            <a:r>
+              <a:rPr lang="vi-VN" sz="1400" dirty="0" smtClean="0"/>
+              <a:t>, semăna cu un calculator </a:t>
+            </a:r>
+            <a:r>
+              <a:rPr lang="en-US" sz="1400" dirty="0" smtClean="0"/>
+              <a:t> </a:t>
+            </a:r>
+            <a:r>
+              <a:rPr lang="vi-VN" sz="1400" dirty="0" smtClean="0"/>
+              <a:t>mecanic </a:t>
+            </a:r>
+            <a:r>
+              <a:rPr lang="vi-VN" sz="1400" dirty="0" smtClean="0"/>
+              <a:t>al </a:t>
+            </a:r>
+            <a:r>
+              <a:rPr lang="vi-VN" sz="1400" dirty="0" smtClean="0"/>
+              <a:t>anilor</a:t>
+            </a:r>
+            <a:r>
+              <a:rPr lang="en-US" sz="1400" dirty="0" smtClean="0"/>
+              <a:t> </a:t>
+            </a:r>
+            <a:r>
+              <a:rPr lang="vi-VN" sz="1400" dirty="0" smtClean="0"/>
+              <a:t>1840</a:t>
+            </a:r>
+            <a:r>
+              <a:rPr lang="vi-VN" sz="1400" dirty="0" smtClean="0"/>
+              <a:t>, iar această invenție îl face pe Pascal a doua persoană care </a:t>
+            </a:r>
+            <a:r>
+              <a:rPr lang="vi-VN" sz="1400" dirty="0" smtClean="0"/>
+              <a:t>inventează</a:t>
+            </a:r>
+            <a:r>
+              <a:rPr lang="en-US" sz="1400" dirty="0" smtClean="0"/>
+              <a:t> </a:t>
+            </a:r>
+            <a:r>
+              <a:rPr lang="vi-VN" sz="1400" dirty="0" smtClean="0"/>
+              <a:t> </a:t>
+            </a:r>
+            <a:r>
+              <a:rPr lang="vi-VN" sz="1400" dirty="0" smtClean="0"/>
+              <a:t>calculatorul mecanic deoarece </a:t>
+            </a:r>
+            <a:r>
+              <a:rPr lang="ro-RO" sz="1400" dirty="0" smtClean="0"/>
+              <a:t>Schickard</a:t>
+            </a:r>
+            <a:r>
+              <a:rPr lang="vi-VN" sz="1400" dirty="0" smtClean="0"/>
+              <a:t> mai </a:t>
+            </a:r>
+            <a:r>
+              <a:rPr lang="ro-RO" sz="1400" dirty="0" smtClean="0"/>
+              <a:t>  </a:t>
+            </a:r>
+            <a:r>
+              <a:rPr lang="vi-VN" sz="1400" dirty="0" smtClean="0"/>
+              <a:t>făcuse</a:t>
+            </a:r>
+            <a:r>
+              <a:rPr lang="ro-RO" sz="1400" dirty="0" smtClean="0"/>
+              <a:t>  </a:t>
+            </a:r>
+            <a:r>
+              <a:rPr lang="vi-VN" sz="1400" dirty="0" smtClean="0"/>
+              <a:t> unul în </a:t>
+            </a:r>
+            <a:r>
+              <a:rPr lang="ro-RO" sz="1400" dirty="0" smtClean="0"/>
+              <a:t>1624</a:t>
+            </a:r>
+            <a:r>
+              <a:rPr lang="vi-VN" sz="1400" dirty="0" smtClean="0"/>
+              <a:t>.</a:t>
+            </a:r>
+            <a:endParaRPr lang="en-US" sz="1400" dirty="0"/>
+          </a:p>
+        </p:txBody>
+      </p:sp>
+      <p:pic>
+        <p:nvPicPr>
+          <p:cNvPr id="10" name="Picture 9" descr="Mechanical_calculator_(ten_places),_Blaise_Pascal,_France,_c._1650_-_Mathematisch-Physikalischer_Salon,_Dresden_-_DSC07976.JPG"/>
+          <p:cNvPicPr>
+            <a:picLocks noChangeAspect="1"/>
+          </p:cNvPicPr>
+          <p:nvPr/>
+        </p:nvPicPr>
+        <p:blipFill>
+          <a:blip r:embed="rId2" cstate="print"/>
+          <a:stretch>
+            <a:fillRect/>
+          </a:stretch>
+        </p:blipFill>
+        <p:spPr>
+          <a:xfrm>
+            <a:off x="1066800" y="2362200"/>
+            <a:ext cx="7078775" cy="2637612"/>
+          </a:xfrm>
+          <a:prstGeom prst="rect">
+            <a:avLst/>
+          </a:prstGeom>
+        </p:spPr>
+      </p:pic>
     </p:spTree>
   </p:cSld>
   <p:clrMapOvr>
     <a:masterClrMapping/>
   </p:clrMapOvr>
+  <p:timing>
+    <p:tnLst>
+      <p:par>
+        <p:cTn id="1" dur="indefinite" restart="never" nodeType="tmRoot">
+          <p:childTnLst>
+            <p:seq concurrent="1" nextAc="seek">
+              <p:cTn id="2" dur="indefinite" nodeType="mainSeq">
+                <p:childTnLst>
+                  <p:par>
+                    <p:cTn id="3" fill="hold">
+                      <p:stCondLst>
+                        <p:cond delay="indefinite"/>
+                      </p:stCondLst>
+                      <p:childTnLst>
+                        <p:par>
+                          <p:cTn id="4" fill="hold">
+                            <p:stCondLst>
+                              <p:cond delay="0"/>
+                            </p:stCondLst>
+                            <p:childTnLst>
+                              <p:par>
+                                <p:cTn id="5" presetID="2" presetClass="entr" presetSubtype="4" fill="hold" nodeType="clickEffect">
+                                  <p:stCondLst>
+                                    <p:cond delay="0"/>
+                                  </p:stCondLst>
+                                  <p:childTnLst>
+                                    <p:set>
+                                      <p:cBhvr>
+                                        <p:cTn id="6" dur="1" fill="hold">
+                                          <p:stCondLst>
+                                            <p:cond delay="0"/>
+                                          </p:stCondLst>
+                                        </p:cTn>
+                                        <p:tgtEl>
+                                          <p:spTgt spid="10"/>
+                                        </p:tgtEl>
+                                        <p:attrNameLst>
+                                          <p:attrName>style.visibility</p:attrName>
+                                        </p:attrNameLst>
+                                      </p:cBhvr>
+                                      <p:to>
+                                        <p:strVal val="visible"/>
+                                      </p:to>
+                                    </p:set>
+                                    <p:anim calcmode="lin" valueType="num">
+                                      <p:cBhvr additive="base">
+                                        <p:cTn id="7" dur="500" fill="hold"/>
+                                        <p:tgtEl>
+                                          <p:spTgt spid="10"/>
+                                        </p:tgtEl>
+                                        <p:attrNameLst>
+                                          <p:attrName>ppt_x</p:attrName>
+                                        </p:attrNameLst>
+                                      </p:cBhvr>
+                                      <p:tavLst>
+                                        <p:tav tm="0">
+                                          <p:val>
+                                            <p:strVal val="#ppt_x"/>
+                                          </p:val>
+                                        </p:tav>
+                                        <p:tav tm="100000">
+                                          <p:val>
+                                            <p:strVal val="#ppt_x"/>
+                                          </p:val>
+                                        </p:tav>
+                                      </p:tavLst>
+                                    </p:anim>
+                                    <p:anim calcmode="lin" valueType="num">
+                                      <p:cBhvr additive="base">
+                                        <p:cTn id="8" dur="500" fill="hold"/>
+                                        <p:tgtEl>
+                                          <p:spTgt spid="10"/>
+                                        </p:tgtEl>
+                                        <p:attrNameLst>
+                                          <p:attrName>ppt_y</p:attrName>
+                                        </p:attrNameLst>
+                                      </p:cBhvr>
+                                      <p:tavLst>
+                                        <p:tav tm="0">
+                                          <p:val>
+                                            <p:strVal val="1+#ppt_h/2"/>
+                                          </p:val>
+                                        </p:tav>
+                                        <p:tav tm="100000">
+                                          <p:val>
+                                            <p:strVal val="#ppt_y"/>
+                                          </p:val>
+                                        </p:tav>
+                                      </p:tavLst>
+                                    </p:anim>
+                                  </p:childTnLst>
+                                </p:cTn>
+                              </p:par>
+                            </p:childTnLst>
+                          </p:cTn>
+                        </p:par>
+                      </p:childTnLst>
+                    </p:cTn>
+                  </p:par>
+                  <p:par>
+                    <p:cTn id="9" fill="hold">
+                      <p:stCondLst>
+                        <p:cond delay="indefinite"/>
+                      </p:stCondLst>
+                      <p:childTnLst>
+                        <p:par>
+                          <p:cTn id="10" fill="hold">
+                            <p:stCondLst>
+                              <p:cond delay="0"/>
+                            </p:stCondLst>
+                            <p:childTnLst>
+                              <p:par>
+                                <p:cTn id="11" presetID="6" presetClass="emph" presetSubtype="0" fill="hold" grpId="0" nodeType="clickEffect">
+                                  <p:stCondLst>
+                                    <p:cond delay="0"/>
+                                  </p:stCondLst>
+                                  <p:childTnLst>
+                                    <p:animScale>
+                                      <p:cBhvr>
+                                        <p:cTn id="12" dur="2000" fill="hold"/>
+                                        <p:tgtEl>
+                                          <p:spTgt spid="2"/>
+                                        </p:tgtEl>
+                                      </p:cBhvr>
+                                      <p:by x="150000" y="150000"/>
+                                    </p:animScale>
+                                  </p:childTnLst>
+                                </p:cTn>
+                              </p:par>
+                            </p:childTnLst>
+                          </p:cTn>
+                        </p:par>
+                      </p:childTnLst>
+                    </p:cTn>
+                  </p:par>
+                </p:childTnLst>
+              </p:cTn>
+              <p:prevCondLst>
+                <p:cond evt="onPrev" delay="0">
+                  <p:tgtEl>
+                    <p:sldTgt/>
+                  </p:tgtEl>
+                </p:cond>
+              </p:prevCondLst>
+              <p:nextCondLst>
+                <p:cond evt="onNext" delay="0">
+                  <p:tgtEl>
+                    <p:sldTgt/>
+                  </p:tgtEl>
+                </p:cond>
+              </p:nextCondLst>
+            </p:seq>
+          </p:childTnLst>
+        </p:cTn>
+      </p:par>
+    </p:tnLst>
+    <p:bldLst>
+      <p:bldP spid="2" grpId="0"/>
+    </p:bldLst>
+  </p:timing>
 </p:sld>
 </file>
 
